--- a/AutomacaoComScripts/Aula03-PythonIntro/03-PythonIntro.pptx
+++ b/AutomacaoComScripts/Aula03-PythonIntro/03-PythonIntro.pptx
@@ -22,8 +22,8 @@
     <p:sldId id="319" r:id="rId16"/>
     <p:sldId id="314" r:id="rId17"/>
     <p:sldId id="315" r:id="rId18"/>
-    <p:sldId id="320" r:id="rId19"/>
-    <p:sldId id="321" r:id="rId20"/>
+    <p:sldId id="321" r:id="rId19"/>
+    <p:sldId id="320" r:id="rId20"/>
     <p:sldId id="304" r:id="rId21"/>
   </p:sldIdLst>
   <p:sldSz cx="9144000" cy="6858000" type="screen4x3"/>
@@ -377,7 +377,7 @@
               <a:pPr>
                 <a:defRPr/>
               </a:pPr>
-              <a:t>22/02/2017</a:t>
+              <a:t>16/03/2018</a:t>
             </a:fld>
             <a:endParaRPr lang="pt-BR"/>
           </a:p>
@@ -655,7 +655,7 @@
               <a:pPr>
                 <a:defRPr/>
               </a:pPr>
-              <a:t>22/02/2017</a:t>
+              <a:t>16/03/2018</a:t>
             </a:fld>
             <a:endParaRPr lang="pt-BR"/>
           </a:p>
@@ -847,7 +847,7 @@
               <a:pPr>
                 <a:defRPr/>
               </a:pPr>
-              <a:t>22/02/2017</a:t>
+              <a:t>16/03/2018</a:t>
             </a:fld>
             <a:endParaRPr lang="pt-BR"/>
           </a:p>
@@ -1049,7 +1049,7 @@
               <a:pPr>
                 <a:defRPr/>
               </a:pPr>
-              <a:t>22/02/2017</a:t>
+              <a:t>16/03/2018</a:t>
             </a:fld>
             <a:endParaRPr lang="pt-BR"/>
           </a:p>
@@ -1443,7 +1443,7 @@
               <a:pPr>
                 <a:defRPr/>
               </a:pPr>
-              <a:t>22/02/2017</a:t>
+              <a:t>16/03/2018</a:t>
             </a:fld>
             <a:endParaRPr lang="pt-BR"/>
           </a:p>
@@ -1635,7 +1635,7 @@
               <a:pPr>
                 <a:defRPr/>
               </a:pPr>
-              <a:t>22/02/2017</a:t>
+              <a:t>16/03/2018</a:t>
             </a:fld>
             <a:endParaRPr lang="pt-BR"/>
           </a:p>
@@ -1903,7 +1903,7 @@
               <a:pPr>
                 <a:defRPr/>
               </a:pPr>
-              <a:t>22/02/2017</a:t>
+              <a:t>16/03/2018</a:t>
             </a:fld>
             <a:endParaRPr lang="pt-BR"/>
           </a:p>
@@ -2213,7 +2213,7 @@
               <a:pPr>
                 <a:defRPr/>
               </a:pPr>
-              <a:t>22/02/2017</a:t>
+              <a:t>16/03/2018</a:t>
             </a:fld>
             <a:endParaRPr lang="pt-BR"/>
           </a:p>
@@ -2657,7 +2657,7 @@
               <a:pPr>
                 <a:defRPr/>
               </a:pPr>
-              <a:t>22/02/2017</a:t>
+              <a:t>16/03/2018</a:t>
             </a:fld>
             <a:endParaRPr lang="pt-BR"/>
           </a:p>
@@ -2797,7 +2797,7 @@
               <a:pPr>
                 <a:defRPr/>
               </a:pPr>
-              <a:t>22/02/2017</a:t>
+              <a:t>16/03/2018</a:t>
             </a:fld>
             <a:endParaRPr lang="pt-BR"/>
           </a:p>
@@ -2914,7 +2914,7 @@
               <a:pPr>
                 <a:defRPr/>
               </a:pPr>
-              <a:t>22/02/2017</a:t>
+              <a:t>16/03/2018</a:t>
             </a:fld>
             <a:endParaRPr lang="pt-BR"/>
           </a:p>
@@ -3140,7 +3140,7 @@
             <a:fld id="{2E700DB3-DBF0-4086-B675-117E7A9610B8}" type="datetimeFigureOut">
               <a:rPr lang="pt-BR" smtClean="0"/>
               <a:pPr/>
-              <a:t>22/02/2017</a:t>
+              <a:t>16/03/2018</a:t>
             </a:fld>
             <a:endParaRPr lang="pt-BR"/>
           </a:p>
@@ -3706,7 +3706,7 @@
               <a:pPr>
                 <a:defRPr/>
               </a:pPr>
-              <a:t>22/02/2017</a:t>
+              <a:t>16/03/2018</a:t>
             </a:fld>
             <a:endParaRPr lang="pt-BR"/>
           </a:p>
@@ -4349,7 +4349,7 @@
                 <a:latin typeface="+mn-lt"/>
                 <a:cs typeface="Arial" pitchFamily="34" charset="0"/>
               </a:rPr>
-              <a:t>23 </a:t>
+              <a:t>16 </a:t>
             </a:r>
             <a:r>
               <a:rPr lang="pt-BR" sz="2200" b="1" dirty="0">
@@ -4369,10 +4369,10 @@
                 <a:latin typeface="+mn-lt"/>
                 <a:cs typeface="Arial" pitchFamily="34" charset="0"/>
               </a:rPr>
-              <a:t>fevereiro </a:t>
-            </a:r>
-            <a:r>
-              <a:rPr lang="pt-BR" sz="2200" b="1">
+              <a:t>março </a:t>
+            </a:r>
+            <a:r>
+              <a:rPr lang="pt-BR" sz="2200" b="1" dirty="0">
                 <a:solidFill>
                   <a:schemeClr val="bg1"/>
                 </a:solidFill>
@@ -4382,14 +4382,14 @@
               <a:t>de </a:t>
             </a:r>
             <a:r>
-              <a:rPr lang="pt-BR" sz="2200" b="1" smtClean="0">
+              <a:rPr lang="pt-BR" sz="2200" b="1" dirty="0" smtClean="0">
                 <a:solidFill>
                   <a:schemeClr val="bg1"/>
                 </a:solidFill>
                 <a:latin typeface="+mn-lt"/>
                 <a:cs typeface="Arial" pitchFamily="34" charset="0"/>
               </a:rPr>
-              <a:t>2017</a:t>
+              <a:t>2018</a:t>
             </a:r>
             <a:endParaRPr lang="pt-BR" sz="2200" b="1" dirty="0">
               <a:solidFill>
@@ -4703,7 +4703,15 @@
             <a:pPr lvl="1"/>
             <a:r>
               <a:rPr lang="pt-BR" dirty="0" smtClean="0"/>
-              <a:t>a= input(“Digite qulquer coisa”)</a:t>
+              <a:t>a= input(“Digite </a:t>
+            </a:r>
+            <a:r>
+              <a:rPr lang="pt-BR" dirty="0" smtClean="0"/>
+              <a:t>qualquer </a:t>
+            </a:r>
+            <a:r>
+              <a:rPr lang="pt-BR" dirty="0" smtClean="0"/>
+              <a:t>coisa”)</a:t>
             </a:r>
           </a:p>
           <a:p>
@@ -4806,15 +4814,7 @@
           <a:p>
             <a:r>
               <a:rPr lang="pt-BR" dirty="0" smtClean="0"/>
-              <a:t>Valores podem ser </a:t>
-            </a:r>
-            <a:r>
-              <a:rPr lang="pt-BR" dirty="0" smtClean="0"/>
-              <a:t>de diferentes</a:t>
-            </a:r>
-            <a:r>
-              <a:rPr lang="pt-BR" dirty="0" smtClean="0"/>
-              <a:t> </a:t>
+              <a:t>Valores podem ser de diferentes </a:t>
             </a:r>
             <a:r>
               <a:rPr lang="pt-BR" b="1" dirty="0" smtClean="0"/>
@@ -4837,11 +4837,7 @@
             <a:pPr lvl="1"/>
             <a:r>
               <a:rPr lang="pt-BR" dirty="0" smtClean="0"/>
-              <a:t>inteiro (classe int) ou um texto (classe str</a:t>
-            </a:r>
-            <a:r>
-              <a:rPr lang="pt-BR" dirty="0" smtClean="0"/>
-              <a:t>), decimal em ponto flutuante (classe float), booleanos (classe bool)</a:t>
+              <a:t>inteiro (classe int) ou um texto (classe str), decimal em ponto flutuante (classe float), booleanos (classe bool)</a:t>
             </a:r>
           </a:p>
           <a:p>
@@ -4854,22 +4850,14 @@
             <a:pPr lvl="1"/>
             <a:r>
               <a:rPr lang="pt-BR" dirty="0" smtClean="0"/>
-              <a:t>type("Oi</a:t>
-            </a:r>
-            <a:r>
-              <a:rPr lang="pt-BR" dirty="0" smtClean="0"/>
-              <a:t>")</a:t>
+              <a:t>type("Oi")</a:t>
             </a:r>
           </a:p>
           <a:p>
             <a:pPr lvl="1"/>
             <a:r>
               <a:rPr lang="pt-BR" dirty="0" smtClean="0"/>
-              <a:t>type(23</a:t>
-            </a:r>
-            <a:r>
-              <a:rPr lang="pt-BR" dirty="0" smtClean="0"/>
-              <a:t>)</a:t>
+              <a:t>type(23)</a:t>
             </a:r>
           </a:p>
           <a:p>
@@ -4967,81 +4955,49 @@
             <a:pPr lvl="1"/>
             <a:r>
               <a:rPr lang="pt-BR" dirty="0" smtClean="0"/>
-              <a:t>str(12</a:t>
-            </a:r>
-            <a:r>
-              <a:rPr lang="pt-BR" dirty="0" smtClean="0"/>
-              <a:t>)</a:t>
+              <a:t>str(12)</a:t>
             </a:r>
           </a:p>
           <a:p>
             <a:pPr lvl="1"/>
             <a:r>
               <a:rPr lang="pt-BR" dirty="0" smtClean="0"/>
-              <a:t>int</a:t>
-            </a:r>
-            <a:r>
-              <a:rPr lang="pt-BR" dirty="0" smtClean="0"/>
-              <a:t>("15")</a:t>
+              <a:t>int("15")</a:t>
             </a:r>
           </a:p>
           <a:p>
             <a:pPr lvl="1"/>
             <a:r>
               <a:rPr lang="pt-BR" dirty="0" smtClean="0"/>
-              <a:t>float(15</a:t>
-            </a:r>
-            <a:r>
-              <a:rPr lang="pt-BR" dirty="0" smtClean="0"/>
-              <a:t>)</a:t>
+              <a:t>float(15)</a:t>
             </a:r>
           </a:p>
           <a:p>
             <a:pPr lvl="1"/>
             <a:r>
               <a:rPr lang="pt-BR" dirty="0" smtClean="0"/>
-              <a:t>int(1.0</a:t>
-            </a:r>
-            <a:r>
-              <a:rPr lang="pt-BR" dirty="0" smtClean="0"/>
-              <a:t>)</a:t>
+              <a:t>int(1.0)</a:t>
             </a:r>
           </a:p>
           <a:p>
             <a:pPr lvl="1"/>
             <a:r>
               <a:rPr lang="pt-BR" dirty="0" smtClean="0"/>
-              <a:t>int(1.5</a:t>
-            </a:r>
-            <a:r>
-              <a:rPr lang="pt-BR" dirty="0" smtClean="0"/>
-              <a:t>)</a:t>
+              <a:t>int(1.5)</a:t>
             </a:r>
           </a:p>
           <a:p>
             <a:pPr lvl="1"/>
             <a:r>
               <a:rPr lang="pt-BR" dirty="0" smtClean="0"/>
-              <a:t>int </a:t>
-            </a:r>
-            <a:r>
-              <a:rPr lang="pt-BR" dirty="0" smtClean="0"/>
-              <a:t>("1.0")</a:t>
+              <a:t>int ("1.0")</a:t>
             </a:r>
           </a:p>
           <a:p>
             <a:pPr lvl="1"/>
             <a:r>
               <a:rPr lang="pt-BR" dirty="0" smtClean="0"/>
-              <a:t>float </a:t>
-            </a:r>
-            <a:r>
-              <a:rPr lang="pt-BR" dirty="0" smtClean="0"/>
-              <a:t>("1.0</a:t>
-            </a:r>
-            <a:r>
-              <a:rPr lang="pt-BR" dirty="0" smtClean="0"/>
-              <a:t>")</a:t>
+              <a:t>float ("1.0")</a:t>
             </a:r>
           </a:p>
           <a:p>
@@ -5118,15 +5074,7 @@
           <a:p>
             <a:r>
               <a:rPr lang="pt-BR" dirty="0" smtClean="0"/>
-              <a:t>Expressões </a:t>
-            </a:r>
-            <a:r>
-              <a:rPr lang="pt-BR" dirty="0" smtClean="0"/>
-              <a:t>lógicas </a:t>
-            </a:r>
-            <a:r>
-              <a:rPr lang="pt-BR" dirty="0" smtClean="0"/>
-              <a:t>cujo valor pode ser True ou False</a:t>
+              <a:t>Expressões lógicas cujo valor pode ser True ou False</a:t>
             </a:r>
           </a:p>
           <a:p>
@@ -5186,11 +5134,7 @@
             </a:pPr>
             <a:r>
               <a:rPr lang="pt-BR" dirty="0" smtClean="0"/>
-              <a:t>!= (diferente</a:t>
-            </a:r>
-            <a:r>
-              <a:rPr lang="pt-BR" dirty="0" smtClean="0"/>
-              <a:t>)</a:t>
+              <a:t>!= (diferente)</a:t>
             </a:r>
           </a:p>
           <a:p>
@@ -5199,15 +5143,7 @@
             </a:pPr>
             <a:r>
               <a:rPr lang="pt-BR" dirty="0" smtClean="0"/>
-              <a:t>and</a:t>
-            </a:r>
-            <a:r>
-              <a:rPr lang="pt-BR" dirty="0" smtClean="0"/>
-              <a:t>, or e not</a:t>
-            </a:r>
-            <a:r>
-              <a:rPr lang="pt-BR" dirty="0" smtClean="0"/>
-              <a:t>;</a:t>
+              <a:t>and, or e not;</a:t>
             </a:r>
             <a:endParaRPr lang="pt-BR" dirty="0"/>
           </a:p>
@@ -5510,7 +5446,7 @@
         <p:spPr bwMode="auto">
           <a:xfrm>
             <a:off x="3059832" y="4077072"/>
-            <a:ext cx="1440160" cy="400110"/>
+            <a:ext cx="2376264" cy="400110"/>
           </a:xfrm>
           <a:prstGeom prst="rect">
             <a:avLst/>
@@ -5571,7 +5507,7 @@
                 <a:latin typeface="Arial Unicode MS"/>
                 <a:cs typeface="Arial" pitchFamily="34" charset="0"/>
               </a:rPr>
-              <a:t>#!python</a:t>
+              <a:t>#!/usr/bin/python</a:t>
             </a:r>
             <a:r>
               <a:rPr kumimoji="0" lang="pt-BR" sz="1600" b="1" i="0" u="none" strike="noStrike" cap="none" normalizeH="0" baseline="0" dirty="0" smtClean="0">
@@ -5585,7 +5521,7 @@
                 <a:latin typeface="Arial" pitchFamily="34" charset="0"/>
                 <a:cs typeface="Arial" pitchFamily="34" charset="0"/>
               </a:rPr>
-              <a:t> </a:t>
+              <a:t>3</a:t>
             </a:r>
             <a:endParaRPr kumimoji="0" lang="pt-BR" sz="4400" b="1" i="0" u="none" strike="noStrike" cap="none" normalizeH="0" baseline="0" dirty="0" smtClean="0">
               <a:ln>
@@ -5686,55 +5622,35 @@
             <a:pPr lvl="1"/>
             <a:r>
               <a:rPr lang="pt-BR" dirty="0" smtClean="0"/>
-              <a:t>O valor de </a:t>
-            </a:r>
-            <a:r>
-              <a:rPr lang="pt-BR" dirty="0" smtClean="0"/>
-              <a:t>x-y</a:t>
+              <a:t>O valor de x-y</a:t>
             </a:r>
           </a:p>
           <a:p>
             <a:pPr lvl="1"/>
             <a:r>
               <a:rPr lang="pt-BR" dirty="0" smtClean="0"/>
-              <a:t>O valor de </a:t>
-            </a:r>
-            <a:r>
-              <a:rPr lang="pt-BR" dirty="0" smtClean="0"/>
-              <a:t>x*y</a:t>
+              <a:t>O valor de x*y</a:t>
             </a:r>
           </a:p>
           <a:p>
             <a:pPr lvl="1"/>
             <a:r>
               <a:rPr lang="pt-BR" dirty="0" smtClean="0"/>
-              <a:t>O valor de </a:t>
-            </a:r>
-            <a:r>
-              <a:rPr lang="pt-BR" dirty="0" smtClean="0"/>
-              <a:t>x**y</a:t>
+              <a:t>O valor de x**y</a:t>
             </a:r>
           </a:p>
           <a:p>
             <a:pPr lvl="1"/>
             <a:r>
               <a:rPr lang="pt-BR" dirty="0" smtClean="0"/>
-              <a:t>O valor de </a:t>
-            </a:r>
-            <a:r>
-              <a:rPr lang="pt-BR" dirty="0" smtClean="0"/>
-              <a:t>x/y</a:t>
+              <a:t>O valor de x/y</a:t>
             </a:r>
           </a:p>
           <a:p>
             <a:pPr lvl="1"/>
             <a:r>
               <a:rPr lang="pt-BR" dirty="0" smtClean="0"/>
-              <a:t>O valor de </a:t>
-            </a:r>
-            <a:r>
-              <a:rPr lang="pt-BR" dirty="0" smtClean="0"/>
-              <a:t>x%y</a:t>
+              <a:t>O valor de x%y</a:t>
             </a:r>
             <a:endParaRPr lang="pt-BR" dirty="0"/>
           </a:p>
@@ -5749,97 +5665,6 @@
 </file>
 
 <file path=ppt/slides/slide17.xml><?xml version="1.0" encoding="utf-8"?>
-<p:sld xmlns:a="http://schemas.openxmlformats.org/drawingml/2006/main" xmlns:r="http://schemas.openxmlformats.org/officeDocument/2006/relationships" xmlns:p="http://schemas.openxmlformats.org/presentationml/2006/main">
-  <p:cSld>
-    <p:spTree>
-      <p:nvGrpSpPr>
-        <p:cNvPr id="1" name=""/>
-        <p:cNvGrpSpPr/>
-        <p:nvPr/>
-      </p:nvGrpSpPr>
-      <p:grpSpPr>
-        <a:xfrm>
-          <a:off x="0" y="0"/>
-          <a:ext cx="0" cy="0"/>
-          <a:chOff x="0" y="0"/>
-          <a:chExt cx="0" cy="0"/>
-        </a:xfrm>
-      </p:grpSpPr>
-      <p:sp>
-        <p:nvSpPr>
-          <p:cNvPr id="2" name="Title 1"/>
-          <p:cNvSpPr>
-            <a:spLocks noGrp="1"/>
-          </p:cNvSpPr>
-          <p:nvPr>
-            <p:ph type="title"/>
-          </p:nvPr>
-        </p:nvSpPr>
-        <p:spPr/>
-        <p:txBody>
-          <a:bodyPr/>
-          <a:lstStyle/>
-          <a:p>
-            <a:r>
-              <a:rPr lang="pt-BR" dirty="0" smtClean="0"/>
-              <a:t>Exercícios</a:t>
-            </a:r>
-            <a:endParaRPr lang="pt-BR" dirty="0"/>
-          </a:p>
-        </p:txBody>
-      </p:sp>
-      <p:sp>
-        <p:nvSpPr>
-          <p:cNvPr id="3" name="Content Placeholder 2"/>
-          <p:cNvSpPr>
-            <a:spLocks noGrp="1"/>
-          </p:cNvSpPr>
-          <p:nvPr>
-            <p:ph idx="1"/>
-          </p:nvPr>
-        </p:nvSpPr>
-        <p:spPr/>
-        <p:txBody>
-          <a:bodyPr/>
-          <a:lstStyle/>
-          <a:p>
-            <a:r>
-              <a:rPr lang="pt-BR" dirty="0" smtClean="0"/>
-              <a:t>Crie um script python que peça pra o usuário digitar um número.</a:t>
-            </a:r>
-          </a:p>
-          <a:p>
-            <a:r>
-              <a:rPr lang="pt-BR" dirty="0" smtClean="0"/>
-              <a:t>Imprima o resultado da verificação se o valor estiver entre 0 e 10 </a:t>
-            </a:r>
-          </a:p>
-          <a:p>
-            <a:pPr lvl="1"/>
-            <a:r>
-              <a:rPr lang="pt-BR" dirty="0" smtClean="0"/>
-              <a:t>ATENÇÃO: a função input retorna uma string. </a:t>
-            </a:r>
-          </a:p>
-          <a:p>
-            <a:pPr lvl="2"/>
-            <a:r>
-              <a:rPr lang="pt-BR" dirty="0" smtClean="0"/>
-              <a:t>Para comparar, é necessário converter para int primeiro</a:t>
-            </a:r>
-            <a:endParaRPr lang="pt-BR" dirty="0"/>
-          </a:p>
-        </p:txBody>
-      </p:sp>
-    </p:spTree>
-  </p:cSld>
-  <p:clrMapOvr>
-    <a:masterClrMapping/>
-  </p:clrMapOvr>
-</p:sld>
-</file>
-
-<file path=ppt/slides/slide18.xml><?xml version="1.0" encoding="utf-8"?>
 <p:sld xmlns:a="http://schemas.openxmlformats.org/drawingml/2006/main" xmlns:r="http://schemas.openxmlformats.org/officeDocument/2006/relationships" xmlns:p="http://schemas.openxmlformats.org/presentationml/2006/main">
   <p:cSld>
     <p:spTree>
@@ -6181,6 +6006,97 @@
 </p:sld>
 </file>
 
+<file path=ppt/slides/slide18.xml><?xml version="1.0" encoding="utf-8"?>
+<p:sld xmlns:a="http://schemas.openxmlformats.org/drawingml/2006/main" xmlns:r="http://schemas.openxmlformats.org/officeDocument/2006/relationships" xmlns:p="http://schemas.openxmlformats.org/presentationml/2006/main">
+  <p:cSld>
+    <p:spTree>
+      <p:nvGrpSpPr>
+        <p:cNvPr id="1" name=""/>
+        <p:cNvGrpSpPr/>
+        <p:nvPr/>
+      </p:nvGrpSpPr>
+      <p:grpSpPr>
+        <a:xfrm>
+          <a:off x="0" y="0"/>
+          <a:ext cx="0" cy="0"/>
+          <a:chOff x="0" y="0"/>
+          <a:chExt cx="0" cy="0"/>
+        </a:xfrm>
+      </p:grpSpPr>
+      <p:sp>
+        <p:nvSpPr>
+          <p:cNvPr id="2" name="Title 1"/>
+          <p:cNvSpPr>
+            <a:spLocks noGrp="1"/>
+          </p:cNvSpPr>
+          <p:nvPr>
+            <p:ph type="title"/>
+          </p:nvPr>
+        </p:nvSpPr>
+        <p:spPr/>
+        <p:txBody>
+          <a:bodyPr/>
+          <a:lstStyle/>
+          <a:p>
+            <a:r>
+              <a:rPr lang="pt-BR" dirty="0" smtClean="0"/>
+              <a:t>Desafio</a:t>
+            </a:r>
+            <a:endParaRPr lang="pt-BR" dirty="0"/>
+          </a:p>
+        </p:txBody>
+      </p:sp>
+      <p:sp>
+        <p:nvSpPr>
+          <p:cNvPr id="3" name="Content Placeholder 2"/>
+          <p:cNvSpPr>
+            <a:spLocks noGrp="1"/>
+          </p:cNvSpPr>
+          <p:nvPr>
+            <p:ph idx="1"/>
+          </p:nvPr>
+        </p:nvSpPr>
+        <p:spPr/>
+        <p:txBody>
+          <a:bodyPr/>
+          <a:lstStyle/>
+          <a:p>
+            <a:r>
+              <a:rPr lang="pt-BR" dirty="0" smtClean="0"/>
+              <a:t>Crie um script python que peça pra o usuário digitar um número.</a:t>
+            </a:r>
+          </a:p>
+          <a:p>
+            <a:r>
+              <a:rPr lang="pt-BR" dirty="0" smtClean="0"/>
+              <a:t>Imprima o resultado da verificação se o valor estiver entre 0 e 10 </a:t>
+            </a:r>
+          </a:p>
+          <a:p>
+            <a:pPr lvl="1"/>
+            <a:r>
+              <a:rPr lang="pt-BR" dirty="0" smtClean="0"/>
+              <a:t>ATENÇÃO: a função input retorna uma string. </a:t>
+            </a:r>
+          </a:p>
+          <a:p>
+            <a:pPr lvl="2"/>
+            <a:r>
+              <a:rPr lang="pt-BR" dirty="0" smtClean="0"/>
+              <a:t>Para comparar, é necessário converter para int primeiro</a:t>
+            </a:r>
+            <a:endParaRPr lang="pt-BR" dirty="0"/>
+          </a:p>
+        </p:txBody>
+      </p:sp>
+    </p:spTree>
+  </p:cSld>
+  <p:clrMapOvr>
+    <a:masterClrMapping/>
+  </p:clrMapOvr>
+</p:sld>
+</file>
+
 <file path=ppt/slides/slide19.xml><?xml version="1.0" encoding="utf-8"?>
 <p:sld xmlns:a="http://schemas.openxmlformats.org/drawingml/2006/main" xmlns:r="http://schemas.openxmlformats.org/officeDocument/2006/relationships" xmlns:p="http://schemas.openxmlformats.org/presentationml/2006/main">
   <p:cSld>
@@ -6247,13 +6163,7 @@
               <a:rPr lang="pt-BR" dirty="0" smtClean="0">
                 <a:hlinkClick r:id="rId2"/>
               </a:rPr>
-              <a:t>https://</a:t>
-            </a:r>
-            <a:r>
-              <a:rPr lang="pt-BR" dirty="0" smtClean="0">
-                <a:hlinkClick r:id="rId2"/>
-              </a:rPr>
-              <a:t>panda.ime.usp.br/pensepy/static/pensepy</a:t>
+              <a:t>https://panda.ime.usp.br/pensepy/static/pensepy</a:t>
             </a:r>
             <a:endParaRPr lang="pt-BR" dirty="0" smtClean="0"/>
           </a:p>
@@ -6269,13 +6179,7 @@
               <a:rPr lang="pt-BR" dirty="0" smtClean="0">
                 <a:hlinkClick r:id="rId3"/>
               </a:rPr>
-              <a:t>https://</a:t>
-            </a:r>
-            <a:r>
-              <a:rPr lang="pt-BR" dirty="0" smtClean="0">
-                <a:hlinkClick r:id="rId3"/>
-              </a:rPr>
-              <a:t>docs.python.org/3/library/index.html</a:t>
+              <a:t>https://docs.python.org/3/library/index.html</a:t>
             </a:r>
             <a:endParaRPr lang="pt-BR" dirty="0" smtClean="0"/>
           </a:p>
@@ -6374,7 +6278,7 @@
             <a:pPr lvl="1"/>
             <a:r>
               <a:rPr lang="pt-BR" dirty="0" smtClean="0"/>
-              <a:t>https://www.python.org/ftp/python/3.6.0/python-3.6.0.exe</a:t>
+              <a:t>https://www.python.org/ftp/python/3.6.4/python-3.6.4.exe</a:t>
             </a:r>
             <a:endParaRPr lang="pt-BR" dirty="0"/>
           </a:p>
@@ -6675,7 +6579,15 @@
             <a:pPr lvl="2"/>
             <a:r>
               <a:rPr lang="pt-BR" dirty="0" smtClean="0"/>
-              <a:t>Você escreve um programa pythob inteiro em um arquivo e usa o interpretador para executar o conteúdo do arquivo como um todo. </a:t>
+              <a:t>Você escreve um programa </a:t>
+            </a:r>
+            <a:r>
+              <a:rPr lang="pt-BR" dirty="0" smtClean="0"/>
+              <a:t>python </a:t>
+            </a:r>
+            <a:r>
+              <a:rPr lang="pt-BR" dirty="0" smtClean="0"/>
+              <a:t>inteiro em um arquivo e usa o interpretador para executar o conteúdo do arquivo como um todo. </a:t>
             </a:r>
           </a:p>
           <a:p>
